--- a/src/qn_code_and_plots/case_study_2_presentation_template.pptx
+++ b/src/qn_code_and_plots/case_study_2_presentation_template.pptx
@@ -5,7 +5,7 @@
     <p:sldMasterId id="2147483660" r:id="rId1"/>
   </p:sldMasterIdLst>
   <p:notesMasterIdLst>
-    <p:notesMasterId r:id="rId12"/>
+    <p:notesMasterId r:id="rId13"/>
   </p:notesMasterIdLst>
   <p:sldIdLst>
     <p:sldId id="564" r:id="rId2"/>
@@ -16,13 +16,14 @@
     <p:sldId id="577" r:id="rId7"/>
     <p:sldId id="568" r:id="rId8"/>
     <p:sldId id="567" r:id="rId9"/>
-    <p:sldId id="565" r:id="rId10"/>
-    <p:sldId id="560" r:id="rId11"/>
+    <p:sldId id="578" r:id="rId10"/>
+    <p:sldId id="565" r:id="rId11"/>
+    <p:sldId id="560" r:id="rId12"/>
   </p:sldIdLst>
   <p:sldSz cx="9144000" cy="6858000" type="screen4x3"/>
   <p:notesSz cx="6858000" cy="9144000"/>
   <p:custDataLst>
-    <p:tags r:id="rId13"/>
+    <p:tags r:id="rId14"/>
   </p:custDataLst>
   <p:defaultTextStyle>
     <a:defPPr>
@@ -220,7 +221,7 @@
           <a:p>
             <a:fld id="{CD727782-06CE-4414-A22D-1AE53752CC3A}" type="datetimeFigureOut">
               <a:rPr lang="en-US" smtClean="0"/>
-              <a:t>7/31/18</a:t>
+              <a:t>8/5/18</a:t>
             </a:fld>
             <a:endParaRPr lang="en-US"/>
           </a:p>
@@ -1019,23 +1020,7 @@
           <a:bodyPr/>
           <a:lstStyle/>
           <a:p>
-            <a:r>
-              <a:rPr lang="en-US" dirty="0"/>
-              <a:t>Brock</a:t>
-            </a:r>
-          </a:p>
-          <a:p>
             <a:endParaRPr lang="en-US" dirty="0"/>
-          </a:p>
-          <a:p>
-            <a:pPr marL="171450" indent="-171450">
-              <a:buFont typeface="Arial" panose="020B0604020202020204" pitchFamily="34" charset="0"/>
-              <a:buChar char="•"/>
-            </a:pPr>
-            <a:r>
-              <a:rPr lang="en-US" dirty="0"/>
-              <a:t>Understand significance of ABV and IBU relationship</a:t>
-            </a:r>
           </a:p>
         </p:txBody>
       </p:sp>
@@ -1119,10 +1104,7 @@
           <a:bodyPr/>
           <a:lstStyle/>
           <a:p>
-            <a:r>
-              <a:rPr lang="en-US" dirty="0"/>
-              <a:t>Quinton</a:t>
-            </a:r>
+            <a:endParaRPr lang="en-US" dirty="0"/>
           </a:p>
         </p:txBody>
       </p:sp>
@@ -1228,6 +1210,90 @@
             <a:fld id="{868B027E-B4E0-4523-917C-EAD81C2E0F7B}" type="slidenum">
               <a:rPr lang="en-US" smtClean="0"/>
               <a:t>9</a:t>
+            </a:fld>
+            <a:endParaRPr lang="en-US"/>
+          </a:p>
+        </p:txBody>
+      </p:sp>
+    </p:spTree>
+    <p:extLst>
+      <p:ext uri="{BB962C8B-B14F-4D97-AF65-F5344CB8AC3E}">
+        <p14:creationId xmlns:p14="http://schemas.microsoft.com/office/powerpoint/2010/main" val="3470737948"/>
+      </p:ext>
+    </p:extLst>
+  </p:cSld>
+  <p:clrMapOvr>
+    <a:masterClrMapping/>
+  </p:clrMapOvr>
+</p:notes>
+</file>
+
+<file path=ppt/notesSlides/notesSlide9.xml><?xml version="1.0" encoding="utf-8"?>
+<p:notes xmlns:a="http://schemas.openxmlformats.org/drawingml/2006/main" xmlns:r="http://schemas.openxmlformats.org/officeDocument/2006/relationships" xmlns:p="http://schemas.openxmlformats.org/presentationml/2006/main">
+  <p:cSld>
+    <p:spTree>
+      <p:nvGrpSpPr>
+        <p:cNvPr id="1" name=""/>
+        <p:cNvGrpSpPr/>
+        <p:nvPr/>
+      </p:nvGrpSpPr>
+      <p:grpSpPr>
+        <a:xfrm>
+          <a:off x="0" y="0"/>
+          <a:ext cx="0" cy="0"/>
+          <a:chOff x="0" y="0"/>
+          <a:chExt cx="0" cy="0"/>
+        </a:xfrm>
+      </p:grpSpPr>
+      <p:sp>
+        <p:nvSpPr>
+          <p:cNvPr id="2" name="Slide Image Placeholder 1"/>
+          <p:cNvSpPr>
+            <a:spLocks noGrp="1" noRot="1" noChangeAspect="1"/>
+          </p:cNvSpPr>
+          <p:nvPr>
+            <p:ph type="sldImg"/>
+          </p:nvPr>
+        </p:nvSpPr>
+        <p:spPr/>
+      </p:sp>
+      <p:sp>
+        <p:nvSpPr>
+          <p:cNvPr id="3" name="Notes Placeholder 2"/>
+          <p:cNvSpPr>
+            <a:spLocks noGrp="1"/>
+          </p:cNvSpPr>
+          <p:nvPr>
+            <p:ph type="body" idx="1"/>
+          </p:nvPr>
+        </p:nvSpPr>
+        <p:spPr/>
+        <p:txBody>
+          <a:bodyPr/>
+          <a:lstStyle/>
+          <a:p>
+            <a:endParaRPr lang="en-US" dirty="0"/>
+          </a:p>
+        </p:txBody>
+      </p:sp>
+      <p:sp>
+        <p:nvSpPr>
+          <p:cNvPr id="4" name="Slide Number Placeholder 3"/>
+          <p:cNvSpPr>
+            <a:spLocks noGrp="1"/>
+          </p:cNvSpPr>
+          <p:nvPr>
+            <p:ph type="sldNum" sz="quarter" idx="10"/>
+          </p:nvPr>
+        </p:nvSpPr>
+        <p:spPr/>
+        <p:txBody>
+          <a:bodyPr/>
+          <a:lstStyle/>
+          <a:p>
+            <a:fld id="{868B027E-B4E0-4523-917C-EAD81C2E0F7B}" type="slidenum">
+              <a:rPr lang="en-US" smtClean="0"/>
+              <a:t>10</a:t>
             </a:fld>
             <a:endParaRPr lang="en-US"/>
           </a:p>
@@ -1454,7 +1520,7 @@
           <a:p>
             <a:fld id="{420809A7-A1BE-490F-89EA-01D139FE5B96}" type="datetime1">
               <a:rPr lang="en-US" smtClean="0"/>
-              <a:t>7/31/18</a:t>
+              <a:t>8/5/18</a:t>
             </a:fld>
             <a:endParaRPr lang="en-US"/>
           </a:p>
@@ -1601,7 +1667,7 @@
           <a:p>
             <a:fld id="{A81C47BC-B3D1-488B-B6EB-96F0747FE70D}" type="datetime1">
               <a:rPr lang="en-US" smtClean="0"/>
-              <a:t>7/31/18</a:t>
+              <a:t>8/5/18</a:t>
             </a:fld>
             <a:endParaRPr lang="en-US"/>
           </a:p>
@@ -1781,7 +1847,7 @@
           <a:p>
             <a:fld id="{0D3AA876-1295-4F54-9C1E-7C7276A6CCF0}" type="datetime1">
               <a:rPr lang="en-US" smtClean="0"/>
-              <a:t>7/31/18</a:t>
+              <a:t>8/5/18</a:t>
             </a:fld>
             <a:endParaRPr lang="en-US"/>
           </a:p>
@@ -2028,7 +2094,7 @@
           <a:p>
             <a:fld id="{362BEAEC-847C-4CD9-A07A-FC2E5675D83A}" type="datetime1">
               <a:rPr lang="en-US" smtClean="0"/>
-              <a:t>7/31/18</a:t>
+              <a:t>8/5/18</a:t>
             </a:fld>
             <a:endParaRPr lang="en-US"/>
           </a:p>
@@ -2277,7 +2343,7 @@
           <a:p>
             <a:fld id="{7327E9FE-D2C0-4FBA-A150-4DC9F14A22EA}" type="datetime1">
               <a:rPr lang="en-US" smtClean="0"/>
-              <a:t>7/31/18</a:t>
+              <a:t>8/5/18</a:t>
             </a:fld>
             <a:endParaRPr lang="en-US"/>
           </a:p>
@@ -2509,7 +2575,7 @@
           <a:p>
             <a:fld id="{2A0AC419-FE3E-458E-938E-605693584E76}" type="datetime1">
               <a:rPr lang="en-US" smtClean="0"/>
-              <a:t>7/31/18</a:t>
+              <a:t>8/5/18</a:t>
             </a:fld>
             <a:endParaRPr lang="en-US"/>
           </a:p>
@@ -2876,7 +2942,7 @@
           <a:p>
             <a:fld id="{C9B0C268-47B8-4103-8C53-F2CE0B73FA5E}" type="datetime1">
               <a:rPr lang="en-US" smtClean="0"/>
-              <a:t>7/31/18</a:t>
+              <a:t>8/5/18</a:t>
             </a:fld>
             <a:endParaRPr lang="en-US"/>
           </a:p>
@@ -2994,7 +3060,7 @@
           <a:p>
             <a:fld id="{4D9E710B-EE9D-4791-A529-AB9A87AE1E4E}" type="datetime1">
               <a:rPr lang="en-US" smtClean="0"/>
-              <a:t>7/31/18</a:t>
+              <a:t>8/5/18</a:t>
             </a:fld>
             <a:endParaRPr lang="en-US"/>
           </a:p>
@@ -3166,7 +3232,7 @@
           <a:p>
             <a:fld id="{5361C7D7-9DF4-4483-9D22-FD529342FD88}" type="datetime1">
               <a:rPr lang="en-US" smtClean="0"/>
-              <a:t>7/31/18</a:t>
+              <a:t>8/5/18</a:t>
             </a:fld>
             <a:endParaRPr lang="en-US"/>
           </a:p>
@@ -3443,7 +3509,7 @@
           <a:p>
             <a:fld id="{6A1B898C-670D-4B94-B944-3D1E35655CB0}" type="datetime1">
               <a:rPr lang="en-US" smtClean="0"/>
-              <a:t>7/31/18</a:t>
+              <a:t>8/5/18</a:t>
             </a:fld>
             <a:endParaRPr lang="en-US"/>
           </a:p>
@@ -3700,7 +3766,7 @@
           <a:p>
             <a:fld id="{D79928EF-82C4-49F3-8BDC-DC25C370E1D1}" type="datetime1">
               <a:rPr lang="en-US" smtClean="0"/>
-              <a:t>7/31/18</a:t>
+              <a:t>8/5/18</a:t>
             </a:fld>
             <a:endParaRPr lang="en-US"/>
           </a:p>
@@ -3913,7 +3979,7 @@
           <a:p>
             <a:fld id="{30F53253-F9B5-45ED-ABD2-19B3FA6BACF6}" type="datetime1">
               <a:rPr lang="en-US" smtClean="0"/>
-              <a:t>7/31/18</a:t>
+              <a:t>8/5/18</a:t>
             </a:fld>
             <a:endParaRPr lang="en-US"/>
           </a:p>
@@ -4561,22 +4627,15 @@
           <a:lstStyle/>
           <a:p>
             <a:r>
-              <a:rPr lang="da-DK" sz="2800" b="1" dirty="0" err="1">
+              <a:rPr lang="da-DK" sz="2800" b="1" dirty="0">
                 <a:solidFill>
                   <a:srgbClr val="002060"/>
                 </a:solidFill>
                 <a:latin typeface="Franklin Gothic Medium" panose="020B0603020102020204" pitchFamily="34" charset="0"/>
                 <a:cs typeface="Arial" panose="020B0604020202020204" pitchFamily="34" charset="0"/>
               </a:rPr>
-              <a:t>Questions</a:t>
-            </a:r>
-            <a:endParaRPr lang="da-DK" sz="2800" b="1" dirty="0">
-              <a:solidFill>
-                <a:srgbClr val="002060"/>
-              </a:solidFill>
-              <a:latin typeface="Franklin Gothic Medium" panose="020B0603020102020204" pitchFamily="34" charset="0"/>
-              <a:cs typeface="Arial" panose="020B0604020202020204" pitchFamily="34" charset="0"/>
-            </a:endParaRPr>
+              <a:t>Summary</a:t>
+            </a:r>
           </a:p>
         </p:txBody>
       </p:sp>
@@ -4752,6 +4811,436 @@
               <a:rPr lang="en-US" smtClean="0"/>
               <a:pPr/>
               <a:t>10</a:t>
+            </a:fld>
+            <a:endParaRPr lang="en-US" dirty="0"/>
+          </a:p>
+        </p:txBody>
+      </p:sp>
+      <p:cxnSp>
+        <p:nvCxnSpPr>
+          <p:cNvPr id="10" name="Straight Connector 9">
+            <a:extLst>
+              <a:ext uri="{FF2B5EF4-FFF2-40B4-BE49-F238E27FC236}">
+                <a16:creationId xmlns:a16="http://schemas.microsoft.com/office/drawing/2014/main" id="{DA920788-44E2-4BEB-8958-B773A6427AF2}"/>
+              </a:ext>
+            </a:extLst>
+          </p:cNvPr>
+          <p:cNvCxnSpPr/>
+          <p:nvPr/>
+        </p:nvCxnSpPr>
+        <p:spPr>
+          <a:xfrm>
+            <a:off x="367598" y="6410755"/>
+            <a:ext cx="8408804" cy="0"/>
+          </a:xfrm>
+          <a:prstGeom prst="line">
+            <a:avLst/>
+          </a:prstGeom>
+          <a:ln w="12700">
+            <a:solidFill>
+              <a:schemeClr val="bg1">
+                <a:lumMod val="65000"/>
+              </a:schemeClr>
+            </a:solidFill>
+          </a:ln>
+        </p:spPr>
+        <p:style>
+          <a:lnRef idx="1">
+            <a:schemeClr val="accent1"/>
+          </a:lnRef>
+          <a:fillRef idx="0">
+            <a:schemeClr val="accent1"/>
+          </a:fillRef>
+          <a:effectRef idx="0">
+            <a:schemeClr val="accent1"/>
+          </a:effectRef>
+          <a:fontRef idx="minor">
+            <a:schemeClr val="tx1"/>
+          </a:fontRef>
+        </p:style>
+      </p:cxnSp>
+      <p:sp>
+        <p:nvSpPr>
+          <p:cNvPr id="12" name="TextBox 11">
+            <a:extLst>
+              <a:ext uri="{FF2B5EF4-FFF2-40B4-BE49-F238E27FC236}">
+                <a16:creationId xmlns:a16="http://schemas.microsoft.com/office/drawing/2014/main" id="{49A4DA87-2E29-4AAF-9572-FAC00EA2B14F}"/>
+              </a:ext>
+            </a:extLst>
+          </p:cNvPr>
+          <p:cNvSpPr txBox="1"/>
+          <p:nvPr/>
+        </p:nvSpPr>
+        <p:spPr>
+          <a:xfrm>
+            <a:off x="440014" y="938624"/>
+            <a:ext cx="8336387" cy="3480354"/>
+          </a:xfrm>
+          <a:prstGeom prst="rect">
+            <a:avLst/>
+          </a:prstGeom>
+          <a:noFill/>
+        </p:spPr>
+        <p:txBody>
+          <a:bodyPr wrap="square" rtlCol="0">
+            <a:noAutofit/>
+          </a:bodyPr>
+          <a:lstStyle/>
+          <a:p>
+            <a:pPr marL="742950" lvl="1" indent="-285750">
+              <a:buFont typeface="Arial" panose="020B0604020202020204" pitchFamily="34" charset="0"/>
+              <a:buChar char="•"/>
+            </a:pPr>
+            <a:r>
+              <a:rPr lang="en-US" dirty="0"/>
+              <a:t>Insights</a:t>
+            </a:r>
+            <a:endParaRPr lang="en-US" sz="1600" dirty="0"/>
+          </a:p>
+          <a:p>
+            <a:pPr marL="742950" lvl="1" indent="-285750">
+              <a:buFont typeface="Arial" panose="020B0604020202020204" pitchFamily="34" charset="0"/>
+              <a:buChar char="•"/>
+            </a:pPr>
+            <a:r>
+              <a:rPr lang="en-US" dirty="0"/>
+              <a:t>Recommendations</a:t>
+            </a:r>
+            <a:endParaRPr lang="en-US" sz="1600" dirty="0"/>
+          </a:p>
+          <a:p>
+            <a:pPr marL="742950" lvl="1" indent="-285750">
+              <a:buFont typeface="Arial" panose="020B0604020202020204" pitchFamily="34" charset="0"/>
+              <a:buChar char="•"/>
+            </a:pPr>
+            <a:r>
+              <a:rPr lang="en-US" dirty="0"/>
+              <a:t>Improvements</a:t>
+            </a:r>
+            <a:endParaRPr lang="en-US" sz="1600" dirty="0"/>
+          </a:p>
+          <a:p>
+            <a:pPr marL="285750" indent="-285750">
+              <a:spcAft>
+                <a:spcPts val="600"/>
+              </a:spcAft>
+              <a:buFont typeface="Arial" panose="020B0604020202020204" pitchFamily="34" charset="0"/>
+              <a:buChar char="•"/>
+            </a:pPr>
+            <a:endParaRPr lang="en-US" sz="1600" dirty="0"/>
+          </a:p>
+          <a:p>
+            <a:pPr marL="285750" indent="-285750">
+              <a:spcAft>
+                <a:spcPts val="600"/>
+              </a:spcAft>
+              <a:buFont typeface="Arial" panose="020B0604020202020204" pitchFamily="34" charset="0"/>
+              <a:buChar char="•"/>
+            </a:pPr>
+            <a:endParaRPr lang="en-US" sz="1600" dirty="0"/>
+          </a:p>
+          <a:p>
+            <a:pPr marL="285750" indent="-285750">
+              <a:spcAft>
+                <a:spcPts val="600"/>
+              </a:spcAft>
+              <a:buFont typeface="Arial" panose="020B0604020202020204" pitchFamily="34" charset="0"/>
+              <a:buChar char="•"/>
+            </a:pPr>
+            <a:endParaRPr lang="en-US" sz="1600" dirty="0"/>
+          </a:p>
+          <a:p>
+            <a:pPr marL="285750" indent="-285750">
+              <a:spcAft>
+                <a:spcPts val="600"/>
+              </a:spcAft>
+              <a:buFont typeface="Arial" panose="020B0604020202020204" pitchFamily="34" charset="0"/>
+              <a:buChar char="•"/>
+            </a:pPr>
+            <a:endParaRPr lang="en-US" sz="1600" dirty="0"/>
+          </a:p>
+          <a:p>
+            <a:pPr marL="285750" indent="-285750">
+              <a:spcAft>
+                <a:spcPts val="600"/>
+              </a:spcAft>
+              <a:buFont typeface="Arial" panose="020B0604020202020204" pitchFamily="34" charset="0"/>
+              <a:buChar char="•"/>
+            </a:pPr>
+            <a:endParaRPr lang="en-US" sz="1600" dirty="0"/>
+          </a:p>
+          <a:p>
+            <a:pPr marL="285750" indent="-285750">
+              <a:spcAft>
+                <a:spcPts val="600"/>
+              </a:spcAft>
+              <a:buFont typeface="Arial" panose="020B0604020202020204" pitchFamily="34" charset="0"/>
+              <a:buChar char="•"/>
+            </a:pPr>
+            <a:endParaRPr lang="en-US" sz="1600" dirty="0"/>
+          </a:p>
+          <a:p>
+            <a:pPr marL="285750" indent="-285750">
+              <a:spcAft>
+                <a:spcPts val="600"/>
+              </a:spcAft>
+              <a:buFont typeface="Arial" panose="020B0604020202020204" pitchFamily="34" charset="0"/>
+              <a:buChar char="•"/>
+            </a:pPr>
+            <a:endParaRPr lang="en-US" sz="1600" dirty="0"/>
+          </a:p>
+        </p:txBody>
+      </p:sp>
+    </p:spTree>
+    <p:extLst>
+      <p:ext uri="{BB962C8B-B14F-4D97-AF65-F5344CB8AC3E}">
+        <p14:creationId xmlns:p14="http://schemas.microsoft.com/office/powerpoint/2010/main" val="702037113"/>
+      </p:ext>
+    </p:extLst>
+  </p:cSld>
+  <p:clrMapOvr>
+    <a:masterClrMapping/>
+  </p:clrMapOvr>
+</p:sld>
+</file>
+
+<file path=ppt/slides/slide11.xml><?xml version="1.0" encoding="utf-8"?>
+<p:sld xmlns:a="http://schemas.openxmlformats.org/drawingml/2006/main" xmlns:r="http://schemas.openxmlformats.org/officeDocument/2006/relationships" xmlns:p="http://schemas.openxmlformats.org/presentationml/2006/main">
+  <p:cSld>
+    <p:spTree>
+      <p:nvGrpSpPr>
+        <p:cNvPr id="1" name=""/>
+        <p:cNvGrpSpPr/>
+        <p:nvPr/>
+      </p:nvGrpSpPr>
+      <p:grpSpPr>
+        <a:xfrm>
+          <a:off x="0" y="0"/>
+          <a:ext cx="0" cy="0"/>
+          <a:chOff x="0" y="0"/>
+          <a:chExt cx="0" cy="0"/>
+        </a:xfrm>
+      </p:grpSpPr>
+      <p:sp>
+        <p:nvSpPr>
+          <p:cNvPr id="5" name="TextBox 4">
+            <a:extLst>
+              <a:ext uri="{FF2B5EF4-FFF2-40B4-BE49-F238E27FC236}">
+                <a16:creationId xmlns:a16="http://schemas.microsoft.com/office/drawing/2014/main" id="{327BCC91-9EB9-489A-B60A-B48980223D67}"/>
+              </a:ext>
+            </a:extLst>
+          </p:cNvPr>
+          <p:cNvSpPr txBox="1"/>
+          <p:nvPr/>
+        </p:nvSpPr>
+        <p:spPr>
+          <a:xfrm>
+            <a:off x="378798" y="188682"/>
+            <a:ext cx="8057971" cy="523220"/>
+          </a:xfrm>
+          <a:prstGeom prst="rect">
+            <a:avLst/>
+          </a:prstGeom>
+          <a:noFill/>
+        </p:spPr>
+        <p:txBody>
+          <a:bodyPr wrap="square" lIns="182880" rtlCol="0" anchor="b">
+            <a:spAutoFit/>
+          </a:bodyPr>
+          <a:lstStyle/>
+          <a:p>
+            <a:r>
+              <a:rPr lang="da-DK" sz="2800" b="1" dirty="0" err="1">
+                <a:solidFill>
+                  <a:srgbClr val="002060"/>
+                </a:solidFill>
+                <a:latin typeface="Franklin Gothic Medium" panose="020B0603020102020204" pitchFamily="34" charset="0"/>
+                <a:cs typeface="Arial" panose="020B0604020202020204" pitchFamily="34" charset="0"/>
+              </a:rPr>
+              <a:t>Questions</a:t>
+            </a:r>
+            <a:endParaRPr lang="da-DK" sz="2800" b="1" dirty="0">
+              <a:solidFill>
+                <a:srgbClr val="002060"/>
+              </a:solidFill>
+              <a:latin typeface="Franklin Gothic Medium" panose="020B0603020102020204" pitchFamily="34" charset="0"/>
+              <a:cs typeface="Arial" panose="020B0604020202020204" pitchFamily="34" charset="0"/>
+            </a:endParaRPr>
+          </a:p>
+        </p:txBody>
+      </p:sp>
+      <p:cxnSp>
+        <p:nvCxnSpPr>
+          <p:cNvPr id="6" name="Straight Connector 5">
+            <a:extLst>
+              <a:ext uri="{FF2B5EF4-FFF2-40B4-BE49-F238E27FC236}">
+                <a16:creationId xmlns:a16="http://schemas.microsoft.com/office/drawing/2014/main" id="{A6D80685-38FF-408B-863E-0DBB7D8D7AD1}"/>
+              </a:ext>
+            </a:extLst>
+          </p:cNvPr>
+          <p:cNvCxnSpPr/>
+          <p:nvPr/>
+        </p:nvCxnSpPr>
+        <p:spPr>
+          <a:xfrm>
+            <a:off x="367598" y="743926"/>
+            <a:ext cx="8408804" cy="0"/>
+          </a:xfrm>
+          <a:prstGeom prst="line">
+            <a:avLst/>
+          </a:prstGeom>
+          <a:ln w="12700">
+            <a:solidFill>
+              <a:srgbClr val="002060"/>
+            </a:solidFill>
+          </a:ln>
+        </p:spPr>
+        <p:style>
+          <a:lnRef idx="1">
+            <a:schemeClr val="accent1"/>
+          </a:lnRef>
+          <a:fillRef idx="0">
+            <a:schemeClr val="accent1"/>
+          </a:fillRef>
+          <a:effectRef idx="0">
+            <a:schemeClr val="accent1"/>
+          </a:effectRef>
+          <a:fontRef idx="minor">
+            <a:schemeClr val="tx1"/>
+          </a:fontRef>
+        </p:style>
+      </p:cxnSp>
+      <p:sp>
+        <p:nvSpPr>
+          <p:cNvPr id="9" name="Slide Number Placeholder 3">
+            <a:extLst>
+              <a:ext uri="{FF2B5EF4-FFF2-40B4-BE49-F238E27FC236}">
+                <a16:creationId xmlns:a16="http://schemas.microsoft.com/office/drawing/2014/main" id="{A1EDFDE6-BFD3-40E8-81C9-2C5695835480}"/>
+              </a:ext>
+            </a:extLst>
+          </p:cNvPr>
+          <p:cNvSpPr txBox="1">
+            <a:spLocks/>
+          </p:cNvSpPr>
+          <p:nvPr/>
+        </p:nvSpPr>
+        <p:spPr>
+          <a:xfrm>
+            <a:off x="6730202" y="6423950"/>
+            <a:ext cx="2057400" cy="365125"/>
+          </a:xfrm>
+          <a:prstGeom prst="rect">
+            <a:avLst/>
+          </a:prstGeom>
+        </p:spPr>
+        <p:txBody>
+          <a:bodyPr vert="horz" lIns="91440" tIns="45720" rIns="91440" bIns="45720" rtlCol="0" anchor="ctr"/>
+          <a:lstStyle>
+            <a:defPPr>
+              <a:defRPr lang="en-US"/>
+            </a:defPPr>
+            <a:lvl1pPr marL="0" algn="r" defTabSz="457200" rtl="0" eaLnBrk="1" latinLnBrk="0" hangingPunct="1">
+              <a:defRPr sz="1200" kern="1200">
+                <a:solidFill>
+                  <a:schemeClr val="tx1">
+                    <a:tint val="75000"/>
+                  </a:schemeClr>
+                </a:solidFill>
+                <a:latin typeface="+mn-lt"/>
+                <a:ea typeface="+mn-ea"/>
+                <a:cs typeface="+mn-cs"/>
+              </a:defRPr>
+            </a:lvl1pPr>
+            <a:lvl2pPr marL="457200" algn="l" defTabSz="457200" rtl="0" eaLnBrk="1" latinLnBrk="0" hangingPunct="1">
+              <a:defRPr sz="1800" kern="1200">
+                <a:solidFill>
+                  <a:schemeClr val="tx1"/>
+                </a:solidFill>
+                <a:latin typeface="+mn-lt"/>
+                <a:ea typeface="+mn-ea"/>
+                <a:cs typeface="+mn-cs"/>
+              </a:defRPr>
+            </a:lvl2pPr>
+            <a:lvl3pPr marL="914400" algn="l" defTabSz="457200" rtl="0" eaLnBrk="1" latinLnBrk="0" hangingPunct="1">
+              <a:defRPr sz="1800" kern="1200">
+                <a:solidFill>
+                  <a:schemeClr val="tx1"/>
+                </a:solidFill>
+                <a:latin typeface="+mn-lt"/>
+                <a:ea typeface="+mn-ea"/>
+                <a:cs typeface="+mn-cs"/>
+              </a:defRPr>
+            </a:lvl3pPr>
+            <a:lvl4pPr marL="1371600" algn="l" defTabSz="457200" rtl="0" eaLnBrk="1" latinLnBrk="0" hangingPunct="1">
+              <a:defRPr sz="1800" kern="1200">
+                <a:solidFill>
+                  <a:schemeClr val="tx1"/>
+                </a:solidFill>
+                <a:latin typeface="+mn-lt"/>
+                <a:ea typeface="+mn-ea"/>
+                <a:cs typeface="+mn-cs"/>
+              </a:defRPr>
+            </a:lvl4pPr>
+            <a:lvl5pPr marL="1828800" algn="l" defTabSz="457200" rtl="0" eaLnBrk="1" latinLnBrk="0" hangingPunct="1">
+              <a:defRPr sz="1800" kern="1200">
+                <a:solidFill>
+                  <a:schemeClr val="tx1"/>
+                </a:solidFill>
+                <a:latin typeface="+mn-lt"/>
+                <a:ea typeface="+mn-ea"/>
+                <a:cs typeface="+mn-cs"/>
+              </a:defRPr>
+            </a:lvl5pPr>
+            <a:lvl6pPr marL="2286000" algn="l" defTabSz="457200" rtl="0" eaLnBrk="1" latinLnBrk="0" hangingPunct="1">
+              <a:defRPr sz="1800" kern="1200">
+                <a:solidFill>
+                  <a:schemeClr val="tx1"/>
+                </a:solidFill>
+                <a:latin typeface="+mn-lt"/>
+                <a:ea typeface="+mn-ea"/>
+                <a:cs typeface="+mn-cs"/>
+              </a:defRPr>
+            </a:lvl6pPr>
+            <a:lvl7pPr marL="2743200" algn="l" defTabSz="457200" rtl="0" eaLnBrk="1" latinLnBrk="0" hangingPunct="1">
+              <a:defRPr sz="1800" kern="1200">
+                <a:solidFill>
+                  <a:schemeClr val="tx1"/>
+                </a:solidFill>
+                <a:latin typeface="+mn-lt"/>
+                <a:ea typeface="+mn-ea"/>
+                <a:cs typeface="+mn-cs"/>
+              </a:defRPr>
+            </a:lvl7pPr>
+            <a:lvl8pPr marL="3200400" algn="l" defTabSz="457200" rtl="0" eaLnBrk="1" latinLnBrk="0" hangingPunct="1">
+              <a:defRPr sz="1800" kern="1200">
+                <a:solidFill>
+                  <a:schemeClr val="tx1"/>
+                </a:solidFill>
+                <a:latin typeface="+mn-lt"/>
+                <a:ea typeface="+mn-ea"/>
+                <a:cs typeface="+mn-cs"/>
+              </a:defRPr>
+            </a:lvl8pPr>
+            <a:lvl9pPr marL="3657600" algn="l" defTabSz="457200" rtl="0" eaLnBrk="1" latinLnBrk="0" hangingPunct="1">
+              <a:defRPr sz="1800" kern="1200">
+                <a:solidFill>
+                  <a:schemeClr val="tx1"/>
+                </a:solidFill>
+                <a:latin typeface="+mn-lt"/>
+                <a:ea typeface="+mn-ea"/>
+                <a:cs typeface="+mn-cs"/>
+              </a:defRPr>
+            </a:lvl9pPr>
+          </a:lstStyle>
+          <a:p>
+            <a:r>
+              <a:rPr lang="en-US" dirty="0"/>
+              <a:t>Page </a:t>
+            </a:r>
+            <a:fld id="{CCF0F3AE-6221-4D43-B24E-11456CA80604}" type="slidenum">
+              <a:rPr lang="en-US" smtClean="0"/>
+              <a:pPr/>
+              <a:t>11</a:t>
             </a:fld>
             <a:endParaRPr lang="en-US" dirty="0"/>
           </a:p>
@@ -5573,6 +6062,177 @@
           </a:p>
         </p:txBody>
       </p:sp>
+      <p:sp>
+        <p:nvSpPr>
+          <p:cNvPr id="7" name="TextBox 6">
+            <a:extLst>
+              <a:ext uri="{FF2B5EF4-FFF2-40B4-BE49-F238E27FC236}">
+                <a16:creationId xmlns:a16="http://schemas.microsoft.com/office/drawing/2014/main" id="{89B0D76C-F7B1-A845-9078-94D66503AFC7}"/>
+              </a:ext>
+            </a:extLst>
+          </p:cNvPr>
+          <p:cNvSpPr txBox="1"/>
+          <p:nvPr/>
+        </p:nvSpPr>
+        <p:spPr>
+          <a:xfrm>
+            <a:off x="607693" y="909636"/>
+            <a:ext cx="7829076" cy="2519364"/>
+          </a:xfrm>
+          <a:prstGeom prst="rect">
+            <a:avLst/>
+          </a:prstGeom>
+          <a:noFill/>
+        </p:spPr>
+        <p:txBody>
+          <a:bodyPr wrap="square" rtlCol="0">
+            <a:noAutofit/>
+          </a:bodyPr>
+          <a:lstStyle/>
+          <a:p>
+            <a:pPr marL="285750" indent="-285750">
+              <a:spcAft>
+                <a:spcPts val="600"/>
+              </a:spcAft>
+              <a:buFont typeface="Arial" panose="020B0604020202020204" pitchFamily="34" charset="0"/>
+              <a:buChar char="•"/>
+            </a:pPr>
+            <a:r>
+              <a:rPr lang="en-US" sz="2400" dirty="0"/>
+              <a:t>Predict well productivity based on historical information</a:t>
+            </a:r>
+          </a:p>
+          <a:p>
+            <a:pPr marL="285750" indent="-285750">
+              <a:spcAft>
+                <a:spcPts val="600"/>
+              </a:spcAft>
+              <a:buFont typeface="Arial" panose="020B0604020202020204" pitchFamily="34" charset="0"/>
+              <a:buChar char="•"/>
+            </a:pPr>
+            <a:r>
+              <a:rPr lang="en-US" sz="2400" dirty="0"/>
+              <a:t>Recommend locations for new wells</a:t>
+            </a:r>
+          </a:p>
+          <a:p>
+            <a:pPr marL="285750" indent="-285750">
+              <a:spcAft>
+                <a:spcPts val="600"/>
+              </a:spcAft>
+              <a:buFont typeface="Arial" panose="020B0604020202020204" pitchFamily="34" charset="0"/>
+              <a:buChar char="•"/>
+            </a:pPr>
+            <a:endParaRPr lang="en-US" sz="1300" dirty="0"/>
+          </a:p>
+          <a:p>
+            <a:pPr marL="285750" indent="-285750">
+              <a:spcAft>
+                <a:spcPts val="600"/>
+              </a:spcAft>
+              <a:buFont typeface="Arial" panose="020B0604020202020204" pitchFamily="34" charset="0"/>
+              <a:buChar char="•"/>
+            </a:pPr>
+            <a:endParaRPr lang="en-US" sz="1300" dirty="0"/>
+          </a:p>
+          <a:p>
+            <a:pPr marL="285750" indent="-285750">
+              <a:spcAft>
+                <a:spcPts val="600"/>
+              </a:spcAft>
+              <a:buFont typeface="Arial" panose="020B0604020202020204" pitchFamily="34" charset="0"/>
+              <a:buChar char="•"/>
+            </a:pPr>
+            <a:endParaRPr lang="en-US" sz="1300" dirty="0"/>
+          </a:p>
+          <a:p>
+            <a:pPr marL="285750" indent="-285750">
+              <a:spcAft>
+                <a:spcPts val="600"/>
+              </a:spcAft>
+              <a:buFont typeface="Arial" panose="020B0604020202020204" pitchFamily="34" charset="0"/>
+              <a:buChar char="•"/>
+            </a:pPr>
+            <a:endParaRPr lang="en-US" sz="1300" dirty="0"/>
+          </a:p>
+          <a:p>
+            <a:pPr marL="285750" indent="-285750">
+              <a:spcAft>
+                <a:spcPts val="600"/>
+              </a:spcAft>
+              <a:buFont typeface="Arial" panose="020B0604020202020204" pitchFamily="34" charset="0"/>
+              <a:buChar char="•"/>
+            </a:pPr>
+            <a:endParaRPr lang="en-US" sz="1600" dirty="0"/>
+          </a:p>
+          <a:p>
+            <a:pPr marL="285750" indent="-285750">
+              <a:spcAft>
+                <a:spcPts val="600"/>
+              </a:spcAft>
+              <a:buFont typeface="Arial" panose="020B0604020202020204" pitchFamily="34" charset="0"/>
+              <a:buChar char="•"/>
+            </a:pPr>
+            <a:endParaRPr lang="en-US" sz="1600" dirty="0"/>
+          </a:p>
+          <a:p>
+            <a:pPr>
+              <a:spcAft>
+                <a:spcPts val="600"/>
+              </a:spcAft>
+            </a:pPr>
+            <a:endParaRPr lang="en-US" sz="1600" dirty="0"/>
+          </a:p>
+          <a:p>
+            <a:pPr>
+              <a:spcAft>
+                <a:spcPts val="600"/>
+              </a:spcAft>
+            </a:pPr>
+            <a:endParaRPr lang="en-US" sz="1600" dirty="0"/>
+          </a:p>
+          <a:p>
+            <a:pPr marL="285750" indent="-285750">
+              <a:spcAft>
+                <a:spcPts val="600"/>
+              </a:spcAft>
+              <a:buFont typeface="Arial" panose="020B0604020202020204" pitchFamily="34" charset="0"/>
+              <a:buChar char="•"/>
+            </a:pPr>
+            <a:endParaRPr lang="en-US" sz="1600" dirty="0"/>
+          </a:p>
+          <a:p>
+            <a:pPr marL="285750" indent="-285750">
+              <a:spcAft>
+                <a:spcPts val="600"/>
+              </a:spcAft>
+              <a:buFont typeface="Arial" panose="020B0604020202020204" pitchFamily="34" charset="0"/>
+              <a:buChar char="•"/>
+            </a:pPr>
+            <a:endParaRPr lang="en-US" sz="1600" dirty="0"/>
+          </a:p>
+          <a:p>
+            <a:pPr marL="285750" indent="-285750">
+              <a:spcAft>
+                <a:spcPts val="600"/>
+              </a:spcAft>
+              <a:buFont typeface="Arial" panose="020B0604020202020204" pitchFamily="34" charset="0"/>
+              <a:buChar char="•"/>
+            </a:pPr>
+            <a:endParaRPr lang="en-US" sz="1600" dirty="0"/>
+          </a:p>
+          <a:p>
+            <a:pPr marL="285750" indent="-285750">
+              <a:spcAft>
+                <a:spcPts val="600"/>
+              </a:spcAft>
+              <a:buFont typeface="Arial" panose="020B0604020202020204" pitchFamily="34" charset="0"/>
+              <a:buChar char="•"/>
+            </a:pPr>
+            <a:endParaRPr lang="en-US" sz="1600" dirty="0"/>
+          </a:p>
+        </p:txBody>
+      </p:sp>
     </p:spTree>
     <p:extLst>
       <p:ext uri="{BB962C8B-B14F-4D97-AF65-F5344CB8AC3E}">
@@ -6366,8 +7026,8 @@
         </p:nvSpPr>
         <p:spPr>
           <a:xfrm>
-            <a:off x="465175" y="1556260"/>
-            <a:ext cx="4131986" cy="2235193"/>
+            <a:off x="465174" y="1556260"/>
+            <a:ext cx="6642207" cy="2235193"/>
           </a:xfrm>
           <a:prstGeom prst="rect">
             <a:avLst/>
@@ -6389,7 +7049,7 @@
             </a:pPr>
             <a:r>
               <a:rPr lang="en-US" sz="1600" dirty="0"/>
-              <a:t>Driftwood</a:t>
+              <a:t>Driftwood – customized data source from a Texas based energy startup</a:t>
             </a:r>
           </a:p>
           <a:p>
@@ -6404,7 +7064,10 @@
               <a:rPr lang="en-US" sz="1600" dirty="0" err="1"/>
               <a:t>FracFocus</a:t>
             </a:r>
-            <a:endParaRPr lang="en-US" sz="1600" dirty="0"/>
+            <a:r>
+              <a:rPr lang="en-US" sz="1600" dirty="0"/>
+              <a:t> – data from a national hydraulic fracturing chemical registry</a:t>
+            </a:r>
           </a:p>
           <a:p>
             <a:pPr marL="285750" indent="-285750">
@@ -7099,8 +7762,8 @@
         </p:nvSpPr>
         <p:spPr>
           <a:xfrm>
-            <a:off x="440015" y="938624"/>
-            <a:ext cx="4341678" cy="2691267"/>
+            <a:off x="440014" y="938624"/>
+            <a:ext cx="6833621" cy="4256831"/>
           </a:xfrm>
           <a:prstGeom prst="rect">
             <a:avLst/>
@@ -7135,7 +7798,7 @@
             </a:pPr>
             <a:r>
               <a:rPr lang="en-US" sz="2400" dirty="0"/>
-              <a:t>Step 1</a:t>
+              <a:t>Get the data</a:t>
             </a:r>
           </a:p>
           <a:p>
@@ -7148,7 +7811,7 @@
             </a:pPr>
             <a:r>
               <a:rPr lang="en-US" sz="2400" dirty="0"/>
-              <a:t>Step 2</a:t>
+              <a:t>Analyze the data</a:t>
             </a:r>
           </a:p>
           <a:p>
@@ -7161,7 +7824,7 @@
             </a:pPr>
             <a:r>
               <a:rPr lang="en-US" sz="2400" dirty="0"/>
-              <a:t>Step 3</a:t>
+              <a:t>Make predictions from the data</a:t>
             </a:r>
           </a:p>
           <a:p>
@@ -7943,15 +8606,42 @@
           <a:lstStyle/>
           <a:p>
             <a:r>
-              <a:rPr lang="da-DK" sz="2800" b="1" dirty="0">
+              <a:rPr lang="da-DK" sz="2800" b="1" dirty="0" err="1">
                 <a:solidFill>
                   <a:srgbClr val="002060"/>
                 </a:solidFill>
                 <a:latin typeface="Franklin Gothic Medium" panose="020B0603020102020204" pitchFamily="34" charset="0"/>
                 <a:cs typeface="Arial" panose="020B0604020202020204" pitchFamily="34" charset="0"/>
               </a:rPr>
-              <a:t>Summary</a:t>
-            </a:r>
+              <a:t>Descriptive</a:t>
+            </a:r>
+            <a:r>
+              <a:rPr lang="da-DK" sz="2800" b="1" dirty="0">
+                <a:solidFill>
+                  <a:srgbClr val="002060"/>
+                </a:solidFill>
+                <a:latin typeface="Franklin Gothic Medium" panose="020B0603020102020204" pitchFamily="34" charset="0"/>
+                <a:cs typeface="Arial" panose="020B0604020202020204" pitchFamily="34" charset="0"/>
+              </a:rPr>
+              <a:t> </a:t>
+            </a:r>
+            <a:r>
+              <a:rPr lang="da-DK" sz="2800" b="1" dirty="0" err="1">
+                <a:solidFill>
+                  <a:srgbClr val="002060"/>
+                </a:solidFill>
+                <a:latin typeface="Franklin Gothic Medium" panose="020B0603020102020204" pitchFamily="34" charset="0"/>
+                <a:cs typeface="Arial" panose="020B0604020202020204" pitchFamily="34" charset="0"/>
+              </a:rPr>
+              <a:t>Statistics</a:t>
+            </a:r>
+            <a:endParaRPr lang="en-US" sz="2800" b="1" dirty="0">
+              <a:solidFill>
+                <a:srgbClr val="002060"/>
+              </a:solidFill>
+              <a:latin typeface="Franklin Gothic Medium" panose="020B0603020102020204" pitchFamily="34" charset="0"/>
+              <a:cs typeface="Arial" panose="020B0604020202020204" pitchFamily="34" charset="0"/>
+            </a:endParaRPr>
           </a:p>
         </p:txBody>
       </p:sp>
@@ -8190,7 +8880,7 @@
         <p:spPr>
           <a:xfrm>
             <a:off x="440014" y="938624"/>
-            <a:ext cx="8336387" cy="3480354"/>
+            <a:ext cx="8336388" cy="5379626"/>
           </a:xfrm>
           <a:prstGeom prst="rect">
             <a:avLst/>
@@ -8203,39 +8893,132 @@
           </a:bodyPr>
           <a:lstStyle/>
           <a:p>
-            <a:pPr marL="742950" lvl="1" indent="-285750">
+            <a:pPr>
+              <a:spcAft>
+                <a:spcPts val="600"/>
+              </a:spcAft>
+            </a:pPr>
+            <a:endParaRPr lang="en-US" sz="1300" dirty="0"/>
+          </a:p>
+          <a:p>
+            <a:pPr marL="285750" indent="-285750">
               <a:buFont typeface="Arial" panose="020B0604020202020204" pitchFamily="34" charset="0"/>
               <a:buChar char="•"/>
             </a:pPr>
             <a:r>
               <a:rPr lang="en-US" dirty="0"/>
-              <a:t>Insights</a:t>
-            </a:r>
+              <a:t>Average </a:t>
+            </a:r>
+            <a:r>
+              <a:rPr lang="en-US" dirty="0" err="1"/>
+              <a:t>frac</a:t>
+            </a:r>
+            <a:r>
+              <a:rPr lang="en-US" dirty="0"/>
+              <a:t> size</a:t>
+            </a:r>
+          </a:p>
+          <a:p>
+            <a:pPr marL="285750" indent="-285750">
+              <a:buFont typeface="Arial" panose="020B0604020202020204" pitchFamily="34" charset="0"/>
+              <a:buChar char="•"/>
+            </a:pPr>
+            <a:r>
+              <a:rPr lang="en-US" sz="1600" dirty="0"/>
+              <a:t>Average age of well (or </a:t>
+            </a:r>
+            <a:r>
+              <a:rPr lang="en-US" sz="1600" dirty="0" err="1"/>
+              <a:t>avg</a:t>
+            </a:r>
+            <a:r>
+              <a:rPr lang="en-US" sz="1600" dirty="0"/>
+              <a:t> length of production)</a:t>
+            </a:r>
+          </a:p>
+          <a:p>
+            <a:pPr marL="285750" indent="-285750">
+              <a:buFont typeface="Arial" panose="020B0604020202020204" pitchFamily="34" charset="0"/>
+              <a:buChar char="•"/>
+            </a:pPr>
+            <a:r>
+              <a:rPr lang="en-US" sz="1600" dirty="0"/>
+              <a:t>Average productivity</a:t>
+            </a:r>
+          </a:p>
+          <a:p>
+            <a:pPr marL="285750" indent="-285750">
+              <a:buFont typeface="Arial" panose="020B0604020202020204" pitchFamily="34" charset="0"/>
+              <a:buChar char="•"/>
+            </a:pPr>
+            <a:r>
+              <a:rPr lang="en-US" sz="1600" dirty="0"/>
+              <a:t>Wells by formation type</a:t>
+            </a:r>
+          </a:p>
+          <a:p>
+            <a:pPr marL="285750" indent="-285750">
+              <a:buFont typeface="Arial" panose="020B0604020202020204" pitchFamily="34" charset="0"/>
+              <a:buChar char="•"/>
+            </a:pPr>
+            <a:r>
+              <a:rPr lang="en-US" sz="1600" dirty="0"/>
+              <a:t>Number of different additives used</a:t>
+            </a:r>
+          </a:p>
+          <a:p>
+            <a:pPr marL="285750" indent="-285750">
+              <a:buFont typeface="Arial" panose="020B0604020202020204" pitchFamily="34" charset="0"/>
+              <a:buChar char="•"/>
+            </a:pPr>
+            <a:r>
+              <a:rPr lang="en-US" sz="1600" dirty="0"/>
+              <a:t>Average amount of sand used</a:t>
+            </a:r>
+          </a:p>
+          <a:p>
+            <a:pPr marL="285750" indent="-285750">
+              <a:buFont typeface="Arial" panose="020B0604020202020204" pitchFamily="34" charset="0"/>
+              <a:buChar char="•"/>
+            </a:pPr>
+            <a:r>
+              <a:rPr lang="en-US" sz="1600" dirty="0"/>
+              <a:t>Average amount of water used</a:t>
+            </a:r>
+          </a:p>
+          <a:p>
+            <a:pPr marL="285750" indent="-285750">
+              <a:buFont typeface="Arial" panose="020B0604020202020204" pitchFamily="34" charset="0"/>
+              <a:buChar char="•"/>
+            </a:pPr>
+            <a:r>
+              <a:rPr lang="en-US" sz="1600" dirty="0"/>
+              <a:t>Geographic area</a:t>
+            </a:r>
+          </a:p>
+          <a:p>
+            <a:pPr marL="285750" indent="-285750">
+              <a:buFont typeface="Arial" panose="020B0604020202020204" pitchFamily="34" charset="0"/>
+              <a:buChar char="•"/>
+            </a:pPr>
             <a:endParaRPr lang="en-US" sz="1600" dirty="0"/>
           </a:p>
           <a:p>
-            <a:pPr marL="742950" lvl="1" indent="-285750">
-              <a:buFont typeface="Arial" panose="020B0604020202020204" pitchFamily="34" charset="0"/>
-              <a:buChar char="•"/>
-            </a:pPr>
-            <a:r>
-              <a:rPr lang="en-US" dirty="0"/>
-              <a:t>Recommendations</a:t>
+            <a:pPr marL="285750" indent="-285750">
+              <a:buFont typeface="Arial" panose="020B0604020202020204" pitchFamily="34" charset="0"/>
+              <a:buChar char="•"/>
+            </a:pPr>
+            <a:r>
+              <a:rPr lang="en-US" sz="1600" dirty="0"/>
+              <a:t>(We need 7 variables summarized in a table.  We need histograms for two of them (oil by year, for example and wells </a:t>
+            </a:r>
+            <a:r>
+              <a:rPr lang="en-US" sz="1600"/>
+              <a:t>by productivity?)</a:t>
             </a:r>
             <a:endParaRPr lang="en-US" sz="1600" dirty="0"/>
           </a:p>
           <a:p>
-            <a:pPr marL="742950" lvl="1" indent="-285750">
-              <a:buFont typeface="Arial" panose="020B0604020202020204" pitchFamily="34" charset="0"/>
-              <a:buChar char="•"/>
-            </a:pPr>
-            <a:r>
-              <a:rPr lang="en-US" dirty="0"/>
-              <a:t>Improvements</a:t>
-            </a:r>
-            <a:endParaRPr lang="en-US" sz="1600" dirty="0"/>
-          </a:p>
-          <a:p>
             <a:pPr marL="285750" indent="-285750">
               <a:spcAft>
                 <a:spcPts val="600"/>
@@ -8243,7 +9026,7 @@
               <a:buFont typeface="Arial" panose="020B0604020202020204" pitchFamily="34" charset="0"/>
               <a:buChar char="•"/>
             </a:pPr>
-            <a:endParaRPr lang="en-US" sz="1600" dirty="0"/>
+            <a:endParaRPr lang="en-US" sz="1300" dirty="0"/>
           </a:p>
           <a:p>
             <a:pPr marL="285750" indent="-285750">
@@ -8253,7 +9036,7 @@
               <a:buFont typeface="Arial" panose="020B0604020202020204" pitchFamily="34" charset="0"/>
               <a:buChar char="•"/>
             </a:pPr>
-            <a:endParaRPr lang="en-US" sz="1600" dirty="0"/>
+            <a:endParaRPr lang="en-US" sz="1300" dirty="0"/>
           </a:p>
           <a:p>
             <a:pPr marL="285750" indent="-285750">
@@ -8263,7 +9046,7 @@
               <a:buFont typeface="Arial" panose="020B0604020202020204" pitchFamily="34" charset="0"/>
               <a:buChar char="•"/>
             </a:pPr>
-            <a:endParaRPr lang="en-US" sz="1600" dirty="0"/>
+            <a:endParaRPr lang="en-US" sz="1300" dirty="0"/>
           </a:p>
           <a:p>
             <a:pPr marL="285750" indent="-285750">
@@ -8273,7 +9056,15 @@
               <a:buFont typeface="Arial" panose="020B0604020202020204" pitchFamily="34" charset="0"/>
               <a:buChar char="•"/>
             </a:pPr>
-            <a:endParaRPr lang="en-US" sz="1600" dirty="0"/>
+            <a:endParaRPr lang="en-US" sz="1300" dirty="0"/>
+          </a:p>
+          <a:p>
+            <a:pPr>
+              <a:spcAft>
+                <a:spcPts val="600"/>
+              </a:spcAft>
+            </a:pPr>
+            <a:endParaRPr lang="en-US" sz="1300" dirty="0"/>
           </a:p>
           <a:p>
             <a:pPr marL="285750" indent="-285750">
@@ -8283,7 +9074,7 @@
               <a:buFont typeface="Arial" panose="020B0604020202020204" pitchFamily="34" charset="0"/>
               <a:buChar char="•"/>
             </a:pPr>
-            <a:endParaRPr lang="en-US" sz="1600" dirty="0"/>
+            <a:endParaRPr lang="en-US" sz="1300" dirty="0"/>
           </a:p>
           <a:p>
             <a:pPr marL="285750" indent="-285750">
@@ -8293,7 +9084,7 @@
               <a:buFont typeface="Arial" panose="020B0604020202020204" pitchFamily="34" charset="0"/>
               <a:buChar char="•"/>
             </a:pPr>
-            <a:endParaRPr lang="en-US" sz="1600" dirty="0"/>
+            <a:endParaRPr lang="en-US" sz="1300" dirty="0"/>
           </a:p>
           <a:p>
             <a:pPr marL="285750" indent="-285750">
@@ -8303,14 +9094,62 @@
               <a:buFont typeface="Arial" panose="020B0604020202020204" pitchFamily="34" charset="0"/>
               <a:buChar char="•"/>
             </a:pPr>
-            <a:endParaRPr lang="en-US" sz="1600" dirty="0"/>
+            <a:endParaRPr lang="en-US" sz="1300" dirty="0"/>
+          </a:p>
+          <a:p>
+            <a:pPr>
+              <a:spcAft>
+                <a:spcPts val="600"/>
+              </a:spcAft>
+            </a:pPr>
+            <a:endParaRPr lang="en-US" sz="1300" dirty="0"/>
+          </a:p>
+          <a:p>
+            <a:pPr marL="285750" indent="-285750">
+              <a:spcAft>
+                <a:spcPts val="600"/>
+              </a:spcAft>
+              <a:buFont typeface="Arial" panose="020B0604020202020204" pitchFamily="34" charset="0"/>
+              <a:buChar char="•"/>
+            </a:pPr>
+            <a:endParaRPr lang="en-US" sz="1300" dirty="0"/>
+          </a:p>
+          <a:p>
+            <a:pPr marL="285750" indent="-285750">
+              <a:spcAft>
+                <a:spcPts val="600"/>
+              </a:spcAft>
+              <a:buFont typeface="Arial" panose="020B0604020202020204" pitchFamily="34" charset="0"/>
+              <a:buChar char="•"/>
+            </a:pPr>
+            <a:endParaRPr lang="en-US" sz="1300" dirty="0"/>
+          </a:p>
+          <a:p>
+            <a:pPr marL="285750" indent="-285750">
+              <a:spcAft>
+                <a:spcPts val="600"/>
+              </a:spcAft>
+              <a:buFont typeface="Arial" panose="020B0604020202020204" pitchFamily="34" charset="0"/>
+              <a:buChar char="•"/>
+            </a:pPr>
+            <a:endParaRPr lang="en-US" sz="1300" dirty="0"/>
+          </a:p>
+          <a:p>
+            <a:pPr marL="285750" indent="-285750">
+              <a:spcAft>
+                <a:spcPts val="600"/>
+              </a:spcAft>
+              <a:buFont typeface="Arial" panose="020B0604020202020204" pitchFamily="34" charset="0"/>
+              <a:buChar char="•"/>
+            </a:pPr>
+            <a:endParaRPr lang="en-US" sz="1300" dirty="0"/>
           </a:p>
         </p:txBody>
       </p:sp>
     </p:spTree>
     <p:extLst>
       <p:ext uri="{BB962C8B-B14F-4D97-AF65-F5344CB8AC3E}">
-        <p14:creationId xmlns:p14="http://schemas.microsoft.com/office/powerpoint/2010/main" val="702037113"/>
+        <p14:creationId xmlns:p14="http://schemas.microsoft.com/office/powerpoint/2010/main" val="803221881"/>
       </p:ext>
     </p:extLst>
   </p:cSld>
